--- a/pptx/第0章  数据挖掘课前准备.pptx
+++ b/pptx/第0章  数据挖掘课前准备.pptx
@@ -4785,7 +4785,7 @@
                 <a:latin typeface="黑体" panose="02010609060101010101" pitchFamily="49" charset="-122"/>
                 <a:ea typeface="黑体" panose="02010609060101010101" pitchFamily="49" charset="-122"/>
               </a:rPr>
-              <a:t>        </a:t>
+              <a:t>   </a:t>
             </a:r>
             <a:r>
               <a:rPr lang="zh-CN" altLang="en-US" sz="2400" kern="0" dirty="0" smtClean="0">
@@ -4947,16 +4947,6 @@
               <a:defRPr/>
             </a:pPr>
             <a:r>
-              <a:rPr lang="zh-CN" altLang="en-US" sz="2400" b="1" kern="0" dirty="0">
-                <a:solidFill>
-                  <a:schemeClr val="tx1"/>
-                </a:solidFill>
-                <a:latin typeface="黑体" panose="02010609060101010101" pitchFamily="49" charset="-122"/>
-                <a:ea typeface="黑体" panose="02010609060101010101" pitchFamily="49" charset="-122"/>
-              </a:rPr>
-              <a:t> </a:t>
-            </a:r>
-            <a:r>
               <a:rPr lang="zh-CN" altLang="en-US" sz="2400" b="1" kern="0" dirty="0" smtClean="0">
                 <a:solidFill>
                   <a:schemeClr val="tx1"/>
@@ -5056,7 +5046,7 @@
                 <a:latin typeface="黑体" panose="02010609060101010101" pitchFamily="49" charset="-122"/>
                 <a:ea typeface="黑体" panose="02010609060101010101" pitchFamily="49" charset="-122"/>
               </a:rPr>
-              <a:t>    上机</a:t>
+              <a:t>   上机</a:t>
             </a:r>
             <a:r>
               <a:rPr lang="en-US" altLang="zh-CN" sz="2400" kern="0" dirty="0" smtClean="0">
